--- a/presentation.pptx
+++ b/presentation.pptx
@@ -18,30 +18,31 @@
     <p:sldId id="263" r:id="rId13"/>
     <p:sldId id="264" r:id="rId14"/>
     <p:sldId id="265" r:id="rId15"/>
+    <p:sldId id="266" r:id="rId16"/>
   </p:sldIdLst>
   <p:sldSz cy="5143500" cx="9144000"/>
   <p:notesSz cx="6858000" cy="9144000"/>
   <p:embeddedFontLst>
     <p:embeddedFont>
       <p:font typeface="Roboto"/>
-      <p:regular r:id="rId16"/>
-      <p:bold r:id="rId17"/>
-      <p:italic r:id="rId18"/>
-      <p:boldItalic r:id="rId19"/>
+      <p:regular r:id="rId17"/>
+      <p:bold r:id="rId18"/>
+      <p:italic r:id="rId19"/>
+      <p:boldItalic r:id="rId20"/>
     </p:embeddedFont>
     <p:embeddedFont>
       <p:font typeface="Montserrat"/>
-      <p:regular r:id="rId20"/>
-      <p:bold r:id="rId21"/>
-      <p:italic r:id="rId22"/>
-      <p:boldItalic r:id="rId23"/>
+      <p:regular r:id="rId21"/>
+      <p:bold r:id="rId22"/>
+      <p:italic r:id="rId23"/>
+      <p:boldItalic r:id="rId24"/>
     </p:embeddedFont>
     <p:embeddedFont>
       <p:font typeface="Open Sans"/>
-      <p:regular r:id="rId24"/>
-      <p:bold r:id="rId25"/>
-      <p:italic r:id="rId26"/>
-      <p:boldItalic r:id="rId27"/>
+      <p:regular r:id="rId25"/>
+      <p:bold r:id="rId26"/>
+      <p:italic r:id="rId27"/>
+      <p:boldItalic r:id="rId28"/>
     </p:embeddedFont>
   </p:embeddedFontLst>
   <p:defaultTextStyle>
@@ -839,7 +840,7 @@
   <p:cSld>
     <p:spTree>
       <p:nvGrpSpPr>
-        <p:cNvPr id="132" name="Shape 132"/>
+        <p:cNvPr id="131" name="Shape 131"/>
         <p:cNvGrpSpPr/>
         <p:nvPr/>
       </p:nvGrpSpPr>
@@ -853,7 +854,106 @@
       </p:grpSpPr>
       <p:sp>
         <p:nvSpPr>
-          <p:cNvPr id="133" name="Google Shape;133;g232a2e5c2c5_0_0:notes"/>
+          <p:cNvPr id="132" name="Google Shape;132;g25739a7ca70_0_67:notes"/>
+          <p:cNvSpPr txBox="1"/>
+          <p:nvPr>
+            <p:ph idx="1" type="body"/>
+          </p:nvPr>
+        </p:nvSpPr>
+        <p:spPr>
+          <a:xfrm>
+            <a:off x="685800" y="4343400"/>
+            <a:ext cx="5486400" cy="4114800"/>
+          </a:xfrm>
+          <a:prstGeom prst="rect">
+            <a:avLst/>
+          </a:prstGeom>
+        </p:spPr>
+        <p:txBody>
+          <a:bodyPr anchorCtr="0" anchor="t" bIns="91425" lIns="91425" spcFirstLastPara="1" rIns="91425" wrap="square" tIns="91425">
+            <a:noAutofit/>
+          </a:bodyPr>
+          <a:lstStyle/>
+          <a:p>
+            <a:pPr indent="0" lvl="0" marL="0" rtl="0" algn="l">
+              <a:spcBef>
+                <a:spcPts val="0"/>
+              </a:spcBef>
+              <a:spcAft>
+                <a:spcPts val="0"/>
+              </a:spcAft>
+              <a:buNone/>
+            </a:pPr>
+            <a:r>
+              <a:t/>
+            </a:r>
+            <a:endParaRPr/>
+          </a:p>
+        </p:txBody>
+      </p:sp>
+      <p:sp>
+        <p:nvSpPr>
+          <p:cNvPr id="133" name="Google Shape;133;g25739a7ca70_0_67:notes"/>
+          <p:cNvSpPr/>
+          <p:nvPr>
+            <p:ph idx="2" type="sldImg"/>
+          </p:nvPr>
+        </p:nvSpPr>
+        <p:spPr>
+          <a:xfrm>
+            <a:off x="1143225" y="685800"/>
+            <a:ext cx="4572300" cy="3429300"/>
+          </a:xfrm>
+          <a:custGeom>
+            <a:rect b="b" l="l" r="r" t="t"/>
+            <a:pathLst>
+              <a:path extrusionOk="0" h="120000" w="120000">
+                <a:moveTo>
+                  <a:pt x="0" y="0"/>
+                </a:moveTo>
+                <a:lnTo>
+                  <a:pt x="120000" y="0"/>
+                </a:lnTo>
+                <a:lnTo>
+                  <a:pt x="120000" y="120000"/>
+                </a:lnTo>
+                <a:lnTo>
+                  <a:pt x="0" y="120000"/>
+                </a:lnTo>
+                <a:close/>
+              </a:path>
+            </a:pathLst>
+          </a:custGeom>
+        </p:spPr>
+      </p:sp>
+    </p:spTree>
+  </p:cSld>
+  <p:clrMapOvr>
+    <a:masterClrMapping/>
+  </p:clrMapOvr>
+</p:notes>
+</file>
+
+<file path=ppt/notesSlides/notesSlide11.xml><?xml version="1.0" encoding="utf-8"?>
+<p:notes xmlns:a="http://schemas.openxmlformats.org/drawingml/2006/main" xmlns:r="http://schemas.openxmlformats.org/officeDocument/2006/relationships" xmlns:mc="http://schemas.openxmlformats.org/markup-compatibility/2006" xmlns:mv="urn:schemas-microsoft-com:mac:vml" xmlns:p="http://schemas.openxmlformats.org/presentationml/2006/main" xmlns:c="http://schemas.openxmlformats.org/drawingml/2006/chart" xmlns:dgm="http://schemas.openxmlformats.org/drawingml/2006/diagram" xmlns:o="urn:schemas-microsoft-com:office:office" xmlns:v="urn:schemas-microsoft-com:vml" xmlns:pvml="urn:schemas-microsoft-com:office:powerpoint" xmlns:com="http://schemas.openxmlformats.org/drawingml/2006/compatibility" xmlns:p14="http://schemas.microsoft.com/office/powerpoint/2010/main" xmlns:p15="http://schemas.microsoft.com/office/powerpoint/2012/main" xmlns:ahyp="http://schemas.microsoft.com/office/drawing/2018/hyperlinkcolor" showMasterPhAnim="0" showMasterSp="0">
+  <p:cSld>
+    <p:spTree>
+      <p:nvGrpSpPr>
+        <p:cNvPr id="138" name="Shape 138"/>
+        <p:cNvGrpSpPr/>
+        <p:nvPr/>
+      </p:nvGrpSpPr>
+      <p:grpSpPr>
+        <a:xfrm>
+          <a:off x="0" y="0"/>
+          <a:ext cx="0" cy="0"/>
+          <a:chOff x="0" y="0"/>
+          <a:chExt cx="0" cy="0"/>
+        </a:xfrm>
+      </p:grpSpPr>
+      <p:sp>
+        <p:nvSpPr>
+          <p:cNvPr id="139" name="Google Shape;139;g2e6d6ae5cae_0_0:notes"/>
           <p:cNvSpPr/>
           <p:nvPr>
             <p:ph idx="2" type="sldImg"/>
@@ -888,7 +988,7 @@
       </p:sp>
       <p:sp>
         <p:nvSpPr>
-          <p:cNvPr id="134" name="Google Shape;134;g232a2e5c2c5_0_0:notes"/>
+          <p:cNvPr id="140" name="Google Shape;140;g2e6d6ae5cae_0_0:notes"/>
           <p:cNvSpPr txBox="1"/>
           <p:nvPr>
             <p:ph idx="1" type="body"/>
@@ -1645,46 +1745,7 @@
       </p:grpSpPr>
       <p:sp>
         <p:nvSpPr>
-          <p:cNvPr id="126" name="Google Shape;126;g25739a7ca70_0_67:notes"/>
-          <p:cNvSpPr txBox="1"/>
-          <p:nvPr>
-            <p:ph idx="1" type="body"/>
-          </p:nvPr>
-        </p:nvSpPr>
-        <p:spPr>
-          <a:xfrm>
-            <a:off x="685800" y="4343400"/>
-            <a:ext cx="5486400" cy="4114800"/>
-          </a:xfrm>
-          <a:prstGeom prst="rect">
-            <a:avLst/>
-          </a:prstGeom>
-        </p:spPr>
-        <p:txBody>
-          <a:bodyPr anchorCtr="0" anchor="t" bIns="91425" lIns="91425" spcFirstLastPara="1" rIns="91425" wrap="square" tIns="91425">
-            <a:noAutofit/>
-          </a:bodyPr>
-          <a:lstStyle/>
-          <a:p>
-            <a:pPr indent="0" lvl="0" marL="0" rtl="0" algn="l">
-              <a:spcBef>
-                <a:spcPts val="0"/>
-              </a:spcBef>
-              <a:spcAft>
-                <a:spcPts val="0"/>
-              </a:spcAft>
-              <a:buNone/>
-            </a:pPr>
-            <a:r>
-              <a:t/>
-            </a:r>
-            <a:endParaRPr/>
-          </a:p>
-        </p:txBody>
-      </p:sp>
-      <p:sp>
-        <p:nvSpPr>
-          <p:cNvPr id="127" name="Google Shape;127;g25739a7ca70_0_67:notes"/>
+          <p:cNvPr id="126" name="Google Shape;126;g232a2e5c2c5_0_0:notes"/>
           <p:cNvSpPr/>
           <p:nvPr>
             <p:ph idx="2" type="sldImg"/>
@@ -1692,8 +1753,8 @@
         </p:nvSpPr>
         <p:spPr>
           <a:xfrm>
-            <a:off x="1143225" y="685800"/>
-            <a:ext cx="4572300" cy="3429300"/>
+            <a:off x="381300" y="685800"/>
+            <a:ext cx="6096000" cy="3429000"/>
           </a:xfrm>
           <a:custGeom>
             <a:rect b="b" l="l" r="r" t="t"/>
@@ -1716,6 +1777,45 @@
             </a:pathLst>
           </a:custGeom>
         </p:spPr>
+      </p:sp>
+      <p:sp>
+        <p:nvSpPr>
+          <p:cNvPr id="127" name="Google Shape;127;g232a2e5c2c5_0_0:notes"/>
+          <p:cNvSpPr txBox="1"/>
+          <p:nvPr>
+            <p:ph idx="1" type="body"/>
+          </p:nvPr>
+        </p:nvSpPr>
+        <p:spPr>
+          <a:xfrm>
+            <a:off x="685800" y="4343400"/>
+            <a:ext cx="5486400" cy="4114800"/>
+          </a:xfrm>
+          <a:prstGeom prst="rect">
+            <a:avLst/>
+          </a:prstGeom>
+        </p:spPr>
+        <p:txBody>
+          <a:bodyPr anchorCtr="0" anchor="t" bIns="91425" lIns="91425" spcFirstLastPara="1" rIns="91425" wrap="square" tIns="91425">
+            <a:noAutofit/>
+          </a:bodyPr>
+          <a:lstStyle/>
+          <a:p>
+            <a:pPr indent="0" lvl="0" marL="0" rtl="0" algn="l">
+              <a:spcBef>
+                <a:spcPts val="0"/>
+              </a:spcBef>
+              <a:spcAft>
+                <a:spcPts val="0"/>
+              </a:spcAft>
+              <a:buNone/>
+            </a:pPr>
+            <a:r>
+              <a:t/>
+            </a:r>
+            <a:endParaRPr/>
+          </a:p>
+        </p:txBody>
       </p:sp>
     </p:spTree>
   </p:cSld>
@@ -8636,18 +8736,11 @@
 </file>
 
 <file path=ppt/slides/slide10.xml><?xml version="1.0" encoding="utf-8"?>
-<p:sld xmlns:a="http://schemas.openxmlformats.org/drawingml/2006/main" xmlns:r="http://schemas.openxmlformats.org/officeDocument/2006/relationships" xmlns:mc="http://schemas.openxmlformats.org/markup-compatibility/2006" xmlns:mv="urn:schemas-microsoft-com:mac:vml" xmlns:p="http://schemas.openxmlformats.org/presentationml/2006/main" xmlns:c="http://schemas.openxmlformats.org/drawingml/2006/chart" xmlns:dgm="http://schemas.openxmlformats.org/drawingml/2006/diagram" xmlns:o="urn:schemas-microsoft-com:office:office" xmlns:v="urn:schemas-microsoft-com:vml" xmlns:pvml="urn:schemas-microsoft-com:office:powerpoint" xmlns:com="http://schemas.openxmlformats.org/drawingml/2006/compatibility" xmlns:p14="http://schemas.microsoft.com/office/powerpoint/2010/main" xmlns:p15="http://schemas.microsoft.com/office/powerpoint/2012/main" xmlns:ahyp="http://schemas.microsoft.com/office/drawing/2018/hyperlinkcolor">
+<p:sld xmlns:a="http://schemas.openxmlformats.org/drawingml/2006/main" xmlns:r="http://schemas.openxmlformats.org/officeDocument/2006/relationships" xmlns:mc="http://schemas.openxmlformats.org/markup-compatibility/2006" xmlns:mv="urn:schemas-microsoft-com:mac:vml" xmlns:p="http://schemas.openxmlformats.org/presentationml/2006/main" xmlns:c="http://schemas.openxmlformats.org/drawingml/2006/chart" xmlns:dgm="http://schemas.openxmlformats.org/drawingml/2006/diagram" xmlns:o="urn:schemas-microsoft-com:office:office" xmlns:v="urn:schemas-microsoft-com:vml" xmlns:pvml="urn:schemas-microsoft-com:office:powerpoint" xmlns:com="http://schemas.openxmlformats.org/drawingml/2006/compatibility" xmlns:p14="http://schemas.microsoft.com/office/powerpoint/2010/main" xmlns:p15="http://schemas.microsoft.com/office/powerpoint/2012/main" xmlns:ahyp="http://schemas.microsoft.com/office/drawing/2018/hyperlinkcolor" showMasterSp="0">
   <p:cSld>
-    <p:bg>
-      <p:bgPr>
-        <a:solidFill>
-          <a:srgbClr val="273DA4"/>
-        </a:solidFill>
-      </p:bgPr>
-    </p:bg>
     <p:spTree>
       <p:nvGrpSpPr>
-        <p:cNvPr id="135" name="Shape 135"/>
+        <p:cNvPr id="134" name="Shape 134"/>
         <p:cNvGrpSpPr/>
         <p:nvPr/>
       </p:nvGrpSpPr>
@@ -8661,7 +8754,291 @@
       </p:grpSpPr>
       <p:sp>
         <p:nvSpPr>
+          <p:cNvPr id="135" name="Google Shape;135;p29"/>
+          <p:cNvSpPr/>
+          <p:nvPr/>
+        </p:nvSpPr>
+        <p:spPr>
+          <a:xfrm>
+            <a:off x="47475" y="0"/>
+            <a:ext cx="9144000" cy="5143500"/>
+          </a:xfrm>
+          <a:custGeom>
+            <a:rect b="b" l="l" r="r" t="t"/>
+            <a:pathLst>
+              <a:path extrusionOk="0" h="6858000" w="12192000">
+                <a:moveTo>
+                  <a:pt x="12191999" y="6857999"/>
+                </a:moveTo>
+                <a:lnTo>
+                  <a:pt x="0" y="6857999"/>
+                </a:lnTo>
+                <a:lnTo>
+                  <a:pt x="0" y="0"/>
+                </a:lnTo>
+                <a:lnTo>
+                  <a:pt x="12191999" y="0"/>
+                </a:lnTo>
+                <a:lnTo>
+                  <a:pt x="12191999" y="6857999"/>
+                </a:lnTo>
+                <a:close/>
+              </a:path>
+            </a:pathLst>
+          </a:custGeom>
+          <a:solidFill>
+            <a:srgbClr val="273DA4"/>
+          </a:solidFill>
+          <a:ln>
+            <a:noFill/>
+          </a:ln>
+        </p:spPr>
+        <p:txBody>
+          <a:bodyPr anchorCtr="0" anchor="t" bIns="0" lIns="0" spcFirstLastPara="1" rIns="0" wrap="square" tIns="0">
+            <a:noAutofit/>
+          </a:bodyPr>
+          <a:lstStyle/>
+          <a:p>
+            <a:pPr indent="0" lvl="0" marL="0" marR="0" rtl="0" algn="l">
+              <a:spcBef>
+                <a:spcPts val="0"/>
+              </a:spcBef>
+              <a:spcAft>
+                <a:spcPts val="0"/>
+              </a:spcAft>
+              <a:buClr>
+                <a:srgbClr val="000000"/>
+              </a:buClr>
+              <a:buFont typeface="Arial"/>
+              <a:buNone/>
+            </a:pPr>
+            <a:r>
+              <a:t/>
+            </a:r>
+            <a:endParaRPr sz="1400"/>
+          </a:p>
+        </p:txBody>
+      </p:sp>
+      <p:sp>
+        <p:nvSpPr>
           <p:cNvPr id="136" name="Google Shape;136;p29"/>
+          <p:cNvSpPr txBox="1"/>
+          <p:nvPr>
+            <p:ph idx="1" type="subTitle"/>
+          </p:nvPr>
+        </p:nvSpPr>
+        <p:spPr>
+          <a:xfrm>
+            <a:off x="2571975" y="393850"/>
+            <a:ext cx="4095000" cy="414300"/>
+          </a:xfrm>
+          <a:prstGeom prst="rect">
+            <a:avLst/>
+          </a:prstGeom>
+        </p:spPr>
+        <p:txBody>
+          <a:bodyPr anchorCtr="0" anchor="t" bIns="0" lIns="0" spcFirstLastPara="1" rIns="0" wrap="square" tIns="0">
+            <a:noAutofit/>
+          </a:bodyPr>
+          <a:lstStyle/>
+          <a:p>
+            <a:pPr indent="0" lvl="0" marL="0" rtl="0" algn="l">
+              <a:lnSpc>
+                <a:spcPct val="80000"/>
+              </a:lnSpc>
+              <a:spcBef>
+                <a:spcPts val="0"/>
+              </a:spcBef>
+              <a:spcAft>
+                <a:spcPts val="0"/>
+              </a:spcAft>
+              <a:buSzPts val="935"/>
+              <a:buNone/>
+            </a:pPr>
+            <a:r>
+              <a:rPr b="1" lang="en" sz="2500">
+                <a:solidFill>
+                  <a:srgbClr val="FFFFFF"/>
+                </a:solidFill>
+                <a:latin typeface="Montserrat"/>
+                <a:ea typeface="Montserrat"/>
+                <a:cs typeface="Montserrat"/>
+                <a:sym typeface="Montserrat"/>
+              </a:rPr>
+              <a:t>Мої інсайти і враження</a:t>
+            </a:r>
+            <a:endParaRPr b="1" sz="2500">
+              <a:solidFill>
+                <a:srgbClr val="FFFFFF"/>
+              </a:solidFill>
+              <a:latin typeface="Montserrat"/>
+              <a:ea typeface="Montserrat"/>
+              <a:cs typeface="Montserrat"/>
+              <a:sym typeface="Montserrat"/>
+            </a:endParaRPr>
+          </a:p>
+          <a:p>
+            <a:pPr indent="0" lvl="0" marL="0" rtl="0" algn="l">
+              <a:lnSpc>
+                <a:spcPct val="80000"/>
+              </a:lnSpc>
+              <a:spcBef>
+                <a:spcPts val="1200"/>
+              </a:spcBef>
+              <a:spcAft>
+                <a:spcPts val="1200"/>
+              </a:spcAft>
+              <a:buSzPts val="935"/>
+              <a:buNone/>
+            </a:pPr>
+            <a:r>
+              <a:t/>
+            </a:r>
+            <a:endParaRPr b="1" sz="4000">
+              <a:solidFill>
+                <a:srgbClr val="FFFFFF"/>
+              </a:solidFill>
+              <a:latin typeface="Montserrat"/>
+              <a:ea typeface="Montserrat"/>
+              <a:cs typeface="Montserrat"/>
+              <a:sym typeface="Montserrat"/>
+            </a:endParaRPr>
+          </a:p>
+        </p:txBody>
+      </p:sp>
+      <p:sp>
+        <p:nvSpPr>
+          <p:cNvPr id="137" name="Google Shape;137;p29"/>
+          <p:cNvSpPr txBox="1"/>
+          <p:nvPr/>
+        </p:nvSpPr>
+        <p:spPr>
+          <a:xfrm>
+            <a:off x="760125" y="1194475"/>
+            <a:ext cx="7718700" cy="1015800"/>
+          </a:xfrm>
+          <a:prstGeom prst="rect">
+            <a:avLst/>
+          </a:prstGeom>
+          <a:noFill/>
+          <a:ln>
+            <a:noFill/>
+          </a:ln>
+        </p:spPr>
+        <p:txBody>
+          <a:bodyPr anchorCtr="0" anchor="t" bIns="91425" lIns="91425" spcFirstLastPara="1" rIns="91425" wrap="square" tIns="91425">
+            <a:spAutoFit/>
+          </a:bodyPr>
+          <a:lstStyle/>
+          <a:p>
+            <a:pPr indent="0" lvl="0" marL="0" rtl="0" algn="l">
+              <a:spcBef>
+                <a:spcPts val="0"/>
+              </a:spcBef>
+              <a:spcAft>
+                <a:spcPts val="0"/>
+              </a:spcAft>
+              <a:buNone/>
+            </a:pPr>
+            <a:r>
+              <a:rPr lang="en" sz="1800">
+                <a:solidFill>
+                  <a:schemeClr val="lt1"/>
+                </a:solidFill>
+              </a:rPr>
+              <a:t>З курсу дізнався багато чого нового і цікавого, </a:t>
+            </a:r>
+            <a:r>
+              <a:rPr lang="en" sz="1800">
+                <a:solidFill>
+                  <a:schemeClr val="lt1"/>
+                </a:solidFill>
+              </a:rPr>
+              <a:t>посилив</a:t>
+            </a:r>
+            <a:r>
+              <a:rPr lang="en" sz="1800">
+                <a:solidFill>
+                  <a:schemeClr val="lt1"/>
+                </a:solidFill>
+              </a:rPr>
+              <a:t> свою базу з математики, </a:t>
+            </a:r>
+            <a:r>
+              <a:rPr lang="en" sz="1800">
+                <a:solidFill>
+                  <a:schemeClr val="lt1"/>
+                </a:solidFill>
+              </a:rPr>
+              <a:t>навчився</a:t>
+            </a:r>
+            <a:r>
+              <a:rPr lang="en" sz="1800">
+                <a:solidFill>
+                  <a:schemeClr val="lt1"/>
+                </a:solidFill>
+              </a:rPr>
+              <a:t> </a:t>
+            </a:r>
+            <a:r>
+              <a:rPr lang="en" sz="1800">
+                <a:solidFill>
+                  <a:schemeClr val="lt1"/>
+                </a:solidFill>
+              </a:rPr>
+              <a:t>користуватися Google Colab, дізнався про мову розмітки</a:t>
+            </a:r>
+            <a:r>
+              <a:rPr lang="en" sz="1800">
+                <a:solidFill>
+                  <a:schemeClr val="lt1"/>
+                </a:solidFill>
+              </a:rPr>
+              <a:t> LaTeX, та багато іншого.</a:t>
+            </a:r>
+            <a:endParaRPr sz="1800">
+              <a:solidFill>
+                <a:schemeClr val="lt1"/>
+              </a:solidFill>
+            </a:endParaRPr>
+          </a:p>
+        </p:txBody>
+      </p:sp>
+    </p:spTree>
+  </p:cSld>
+  <p:clrMapOvr>
+    <a:masterClrMapping/>
+  </p:clrMapOvr>
+</p:sld>
+</file>
+
+<file path=ppt/slides/slide11.xml><?xml version="1.0" encoding="utf-8"?>
+<p:sld xmlns:a="http://schemas.openxmlformats.org/drawingml/2006/main" xmlns:r="http://schemas.openxmlformats.org/officeDocument/2006/relationships" xmlns:mc="http://schemas.openxmlformats.org/markup-compatibility/2006" xmlns:mv="urn:schemas-microsoft-com:mac:vml" xmlns:p="http://schemas.openxmlformats.org/presentationml/2006/main" xmlns:c="http://schemas.openxmlformats.org/drawingml/2006/chart" xmlns:dgm="http://schemas.openxmlformats.org/drawingml/2006/diagram" xmlns:o="urn:schemas-microsoft-com:office:office" xmlns:v="urn:schemas-microsoft-com:vml" xmlns:pvml="urn:schemas-microsoft-com:office:powerpoint" xmlns:com="http://schemas.openxmlformats.org/drawingml/2006/compatibility" xmlns:p14="http://schemas.microsoft.com/office/powerpoint/2010/main" xmlns:p15="http://schemas.microsoft.com/office/powerpoint/2012/main" xmlns:ahyp="http://schemas.microsoft.com/office/drawing/2018/hyperlinkcolor">
+  <p:cSld>
+    <p:bg>
+      <p:bgPr>
+        <a:solidFill>
+          <a:srgbClr val="273DA4"/>
+        </a:solidFill>
+      </p:bgPr>
+    </p:bg>
+    <p:spTree>
+      <p:nvGrpSpPr>
+        <p:cNvPr id="141" name="Shape 141"/>
+        <p:cNvGrpSpPr/>
+        <p:nvPr/>
+      </p:nvGrpSpPr>
+      <p:grpSpPr>
+        <a:xfrm>
+          <a:off x="0" y="0"/>
+          <a:ext cx="0" cy="0"/>
+          <a:chOff x="0" y="0"/>
+          <a:chExt cx="0" cy="0"/>
+        </a:xfrm>
+      </p:grpSpPr>
+      <p:sp>
+        <p:nvSpPr>
+          <p:cNvPr id="142" name="Google Shape;142;p30"/>
           <p:cNvSpPr txBox="1"/>
           <p:nvPr/>
         </p:nvSpPr>
@@ -11084,7 +11461,7 @@
         <p:spPr>
           <a:xfrm>
             <a:off x="152400" y="1107100"/>
-            <a:ext cx="8839201" cy="2852678"/>
+            <a:ext cx="8839200" cy="2915055"/>
           </a:xfrm>
           <a:prstGeom prst="rect">
             <a:avLst/>
@@ -12266,8 +12643,15 @@
 </file>
 
 <file path=ppt/slides/slide9.xml><?xml version="1.0" encoding="utf-8"?>
-<p:sld xmlns:a="http://schemas.openxmlformats.org/drawingml/2006/main" xmlns:r="http://schemas.openxmlformats.org/officeDocument/2006/relationships" xmlns:mc="http://schemas.openxmlformats.org/markup-compatibility/2006" xmlns:mv="urn:schemas-microsoft-com:mac:vml" xmlns:p="http://schemas.openxmlformats.org/presentationml/2006/main" xmlns:c="http://schemas.openxmlformats.org/drawingml/2006/chart" xmlns:dgm="http://schemas.openxmlformats.org/drawingml/2006/diagram" xmlns:o="urn:schemas-microsoft-com:office:office" xmlns:v="urn:schemas-microsoft-com:vml" xmlns:pvml="urn:schemas-microsoft-com:office:powerpoint" xmlns:com="http://schemas.openxmlformats.org/drawingml/2006/compatibility" xmlns:p14="http://schemas.microsoft.com/office/powerpoint/2010/main" xmlns:p15="http://schemas.microsoft.com/office/powerpoint/2012/main" xmlns:ahyp="http://schemas.microsoft.com/office/drawing/2018/hyperlinkcolor" showMasterSp="0">
+<p:sld xmlns:a="http://schemas.openxmlformats.org/drawingml/2006/main" xmlns:r="http://schemas.openxmlformats.org/officeDocument/2006/relationships" xmlns:mc="http://schemas.openxmlformats.org/markup-compatibility/2006" xmlns:mv="urn:schemas-microsoft-com:mac:vml" xmlns:p="http://schemas.openxmlformats.org/presentationml/2006/main" xmlns:c="http://schemas.openxmlformats.org/drawingml/2006/chart" xmlns:dgm="http://schemas.openxmlformats.org/drawingml/2006/diagram" xmlns:o="urn:schemas-microsoft-com:office:office" xmlns:v="urn:schemas-microsoft-com:vml" xmlns:pvml="urn:schemas-microsoft-com:office:powerpoint" xmlns:com="http://schemas.openxmlformats.org/drawingml/2006/compatibility" xmlns:p14="http://schemas.microsoft.com/office/powerpoint/2010/main" xmlns:p15="http://schemas.microsoft.com/office/powerpoint/2012/main" xmlns:ahyp="http://schemas.microsoft.com/office/drawing/2018/hyperlinkcolor">
   <p:cSld>
+    <p:bg>
+      <p:bgPr>
+        <a:solidFill>
+          <a:srgbClr val="273DA4"/>
+        </a:solidFill>
+      </p:bgPr>
+    </p:bg>
     <p:spTree>
       <p:nvGrpSpPr>
         <p:cNvPr id="128" name="Shape 128"/>
@@ -12285,167 +12669,13 @@
       <p:sp>
         <p:nvSpPr>
           <p:cNvPr id="129" name="Google Shape;129;p28"/>
-          <p:cNvSpPr/>
-          <p:nvPr/>
-        </p:nvSpPr>
-        <p:spPr>
-          <a:xfrm>
-            <a:off x="0" y="0"/>
-            <a:ext cx="9144000" cy="5143500"/>
-          </a:xfrm>
-          <a:custGeom>
-            <a:rect b="b" l="l" r="r" t="t"/>
-            <a:pathLst>
-              <a:path extrusionOk="0" h="6858000" w="12192000">
-                <a:moveTo>
-                  <a:pt x="12191999" y="6857999"/>
-                </a:moveTo>
-                <a:lnTo>
-                  <a:pt x="0" y="6857999"/>
-                </a:lnTo>
-                <a:lnTo>
-                  <a:pt x="0" y="0"/>
-                </a:lnTo>
-                <a:lnTo>
-                  <a:pt x="12191999" y="0"/>
-                </a:lnTo>
-                <a:lnTo>
-                  <a:pt x="12191999" y="6857999"/>
-                </a:lnTo>
-                <a:close/>
-              </a:path>
-            </a:pathLst>
-          </a:custGeom>
-          <a:solidFill>
-            <a:srgbClr val="273DA4"/>
-          </a:solidFill>
-          <a:ln>
-            <a:noFill/>
-          </a:ln>
-        </p:spPr>
-        <p:txBody>
-          <a:bodyPr anchorCtr="0" anchor="t" bIns="0" lIns="0" spcFirstLastPara="1" rIns="0" wrap="square" tIns="0">
-            <a:noAutofit/>
-          </a:bodyPr>
-          <a:lstStyle/>
-          <a:p>
-            <a:pPr indent="0" lvl="0" marL="0" marR="0" rtl="0" algn="l">
-              <a:spcBef>
-                <a:spcPts val="0"/>
-              </a:spcBef>
-              <a:spcAft>
-                <a:spcPts val="0"/>
-              </a:spcAft>
-              <a:buClr>
-                <a:srgbClr val="000000"/>
-              </a:buClr>
-              <a:buFont typeface="Arial"/>
-              <a:buNone/>
-            </a:pPr>
-            <a:r>
-              <a:t/>
-            </a:r>
-            <a:endParaRPr sz="1400"/>
-          </a:p>
-        </p:txBody>
-      </p:sp>
-      <p:sp>
-        <p:nvSpPr>
-          <p:cNvPr id="130" name="Google Shape;130;p28"/>
-          <p:cNvSpPr txBox="1"/>
-          <p:nvPr>
-            <p:ph idx="1" type="subTitle"/>
-          </p:nvPr>
-        </p:nvSpPr>
-        <p:spPr>
-          <a:xfrm>
-            <a:off x="1501750" y="549900"/>
-            <a:ext cx="6357300" cy="366600"/>
-          </a:xfrm>
-          <a:prstGeom prst="rect">
-            <a:avLst/>
-          </a:prstGeom>
-        </p:spPr>
-        <p:txBody>
-          <a:bodyPr anchorCtr="0" anchor="t" bIns="0" lIns="0" spcFirstLastPara="1" rIns="0" wrap="square" tIns="0">
-            <a:noAutofit/>
-          </a:bodyPr>
-          <a:lstStyle/>
-          <a:p>
-            <a:pPr indent="0" lvl="0" marL="0" rtl="0" algn="l">
-              <a:lnSpc>
-                <a:spcPct val="80000"/>
-              </a:lnSpc>
-              <a:spcBef>
-                <a:spcPts val="0"/>
-              </a:spcBef>
-              <a:spcAft>
-                <a:spcPts val="0"/>
-              </a:spcAft>
-              <a:buSzPts val="935"/>
-              <a:buNone/>
-            </a:pPr>
-            <a:r>
-              <a:rPr b="1" lang="en" sz="2500">
-                <a:solidFill>
-                  <a:srgbClr val="FFFFFF"/>
-                </a:solidFill>
-                <a:latin typeface="Montserrat"/>
-                <a:ea typeface="Montserrat"/>
-                <a:cs typeface="Montserrat"/>
-                <a:sym typeface="Montserrat"/>
-              </a:rPr>
-              <a:t>Мої інсайти і враження та висновки</a:t>
-            </a:r>
-            <a:endParaRPr b="1" sz="2500">
-              <a:solidFill>
-                <a:srgbClr val="FFFFFF"/>
-              </a:solidFill>
-              <a:latin typeface="Montserrat"/>
-              <a:ea typeface="Montserrat"/>
-              <a:cs typeface="Montserrat"/>
-              <a:sym typeface="Montserrat"/>
-            </a:endParaRPr>
-          </a:p>
-          <a:p>
-            <a:pPr indent="0" lvl="0" marL="0" rtl="0" algn="l">
-              <a:lnSpc>
-                <a:spcPct val="80000"/>
-              </a:lnSpc>
-              <a:spcBef>
-                <a:spcPts val="1200"/>
-              </a:spcBef>
-              <a:spcAft>
-                <a:spcPts val="1200"/>
-              </a:spcAft>
-              <a:buSzPts val="935"/>
-              <a:buNone/>
-            </a:pPr>
-            <a:r>
-              <a:t/>
-            </a:r>
-            <a:endParaRPr b="1" sz="4000">
-              <a:solidFill>
-                <a:srgbClr val="FFFFFF"/>
-              </a:solidFill>
-              <a:latin typeface="Montserrat"/>
-              <a:ea typeface="Montserrat"/>
-              <a:cs typeface="Montserrat"/>
-              <a:sym typeface="Montserrat"/>
-            </a:endParaRPr>
-          </a:p>
-        </p:txBody>
-      </p:sp>
-      <p:sp>
-        <p:nvSpPr>
-          <p:cNvPr id="131" name="Google Shape;131;p28"/>
           <p:cNvSpPr txBox="1"/>
           <p:nvPr/>
         </p:nvSpPr>
         <p:spPr>
           <a:xfrm>
-            <a:off x="760125" y="1194475"/>
-            <a:ext cx="7718700" cy="1015800"/>
+            <a:off x="3546525" y="941100"/>
+            <a:ext cx="2005800" cy="492600"/>
           </a:xfrm>
           <a:prstGeom prst="rect">
             <a:avLst/>
@@ -12462,71 +12692,317 @@
           <a:lstStyle/>
           <a:p>
             <a:pPr indent="0" lvl="0" marL="0" rtl="0" algn="l">
-              <a:spcBef>
-                <a:spcPts val="0"/>
-              </a:spcBef>
-              <a:spcAft>
-                <a:spcPts val="0"/>
-              </a:spcAft>
+              <a:lnSpc>
+                <a:spcPct val="80000"/>
+              </a:lnSpc>
+              <a:spcBef>
+                <a:spcPts val="0"/>
+              </a:spcBef>
+              <a:spcAft>
+                <a:spcPts val="1200"/>
+              </a:spcAft>
+              <a:buClr>
+                <a:schemeClr val="dk1"/>
+              </a:buClr>
+              <a:buSzPts val="935"/>
+              <a:buFont typeface="Arial"/>
               <a:buNone/>
             </a:pPr>
             <a:r>
-              <a:rPr lang="en" sz="1800">
+              <a:rPr b="1" lang="en" sz="2500">
                 <a:solidFill>
                   <a:schemeClr val="lt1"/>
                 </a:solidFill>
+                <a:latin typeface="Montserrat"/>
+                <a:ea typeface="Montserrat"/>
+                <a:cs typeface="Montserrat"/>
+                <a:sym typeface="Montserrat"/>
               </a:rPr>
-              <a:t>З курсу дізнався багато чого нового і цікавого, </a:t>
-            </a:r>
-            <a:r>
-              <a:rPr lang="en" sz="1800">
+              <a:t> Висновки</a:t>
+            </a:r>
+            <a:endParaRPr b="1" sz="4000">
+              <a:solidFill>
+                <a:schemeClr val="lt1"/>
+              </a:solidFill>
+              <a:latin typeface="Montserrat"/>
+              <a:ea typeface="Montserrat"/>
+              <a:cs typeface="Montserrat"/>
+              <a:sym typeface="Montserrat"/>
+            </a:endParaRPr>
+          </a:p>
+        </p:txBody>
+      </p:sp>
+      <p:sp>
+        <p:nvSpPr>
+          <p:cNvPr id="130" name="Google Shape;130;p28"/>
+          <p:cNvSpPr txBox="1"/>
+          <p:nvPr/>
+        </p:nvSpPr>
+        <p:spPr>
+          <a:xfrm>
+            <a:off x="1348275" y="1723825"/>
+            <a:ext cx="6402300" cy="3093900"/>
+          </a:xfrm>
+          <a:prstGeom prst="rect">
+            <a:avLst/>
+          </a:prstGeom>
+          <a:noFill/>
+          <a:ln>
+            <a:noFill/>
+          </a:ln>
+        </p:spPr>
+        <p:txBody>
+          <a:bodyPr anchorCtr="0" anchor="t" bIns="91425" lIns="91425" spcFirstLastPara="1" rIns="91425" wrap="square" tIns="91425">
+            <a:spAutoFit/>
+          </a:bodyPr>
+          <a:lstStyle/>
+          <a:p>
+            <a:pPr indent="0" lvl="0" marL="0" rtl="0" algn="l">
+              <a:lnSpc>
+                <a:spcPct val="135714"/>
+              </a:lnSpc>
+              <a:spcBef>
+                <a:spcPts val="0"/>
+              </a:spcBef>
+              <a:spcAft>
+                <a:spcPts val="0"/>
+              </a:spcAft>
+              <a:buNone/>
+            </a:pPr>
+            <a:r>
+              <a:rPr b="1" lang="en" sz="1050">
                 <a:solidFill>
                   <a:schemeClr val="lt1"/>
                 </a:solidFill>
+                <a:latin typeface="Courier New"/>
+                <a:ea typeface="Courier New"/>
+                <a:cs typeface="Courier New"/>
+                <a:sym typeface="Courier New"/>
               </a:rPr>
-              <a:t>посилив</a:t>
-            </a:r>
-            <a:r>
-              <a:rPr lang="en" sz="1800">
+              <a:t>1. Linear Regression показала гірші результати на тестовій вибірці з Test R²: -0.71, що вказує на те, що модель має низьку точність та не здатна добре узагальнювати дані.</a:t>
+            </a:r>
+            <a:endParaRPr b="1" sz="1050">
+              <a:solidFill>
+                <a:schemeClr val="lt1"/>
+              </a:solidFill>
+              <a:latin typeface="Courier New"/>
+              <a:ea typeface="Courier New"/>
+              <a:cs typeface="Courier New"/>
+              <a:sym typeface="Courier New"/>
+            </a:endParaRPr>
+          </a:p>
+          <a:p>
+            <a:pPr indent="0" lvl="0" marL="0" rtl="0" algn="l">
+              <a:lnSpc>
+                <a:spcPct val="135714"/>
+              </a:lnSpc>
+              <a:spcBef>
+                <a:spcPts val="0"/>
+              </a:spcBef>
+              <a:spcAft>
+                <a:spcPts val="0"/>
+              </a:spcAft>
+              <a:buClr>
+                <a:schemeClr val="dk1"/>
+              </a:buClr>
+              <a:buSzPts val="1100"/>
+              <a:buFont typeface="Arial"/>
+              <a:buNone/>
+            </a:pPr>
+            <a:r>
+              <a:t/>
+            </a:r>
+            <a:endParaRPr b="1" sz="1050">
+              <a:solidFill>
+                <a:schemeClr val="lt1"/>
+              </a:solidFill>
+              <a:latin typeface="Courier New"/>
+              <a:ea typeface="Courier New"/>
+              <a:cs typeface="Courier New"/>
+              <a:sym typeface="Courier New"/>
+            </a:endParaRPr>
+          </a:p>
+          <a:p>
+            <a:pPr indent="0" lvl="0" marL="0" rtl="0" algn="l">
+              <a:lnSpc>
+                <a:spcPct val="135714"/>
+              </a:lnSpc>
+              <a:spcBef>
+                <a:spcPts val="0"/>
+              </a:spcBef>
+              <a:spcAft>
+                <a:spcPts val="0"/>
+              </a:spcAft>
+              <a:buNone/>
+            </a:pPr>
+            <a:r>
+              <a:rPr b="1" lang="en" sz="1050">
                 <a:solidFill>
                   <a:schemeClr val="lt1"/>
                 </a:solidFill>
+                <a:latin typeface="Courier New"/>
+                <a:ea typeface="Courier New"/>
+                <a:cs typeface="Courier New"/>
+                <a:sym typeface="Courier New"/>
               </a:rPr>
-              <a:t> свою базу з математики, </a:t>
-            </a:r>
-            <a:r>
-              <a:rPr lang="en" sz="1800">
+              <a:t>2. Random Forest показала кращі результати з Test R²: 0.91, що вказує на високу точність моделі та її здатність добре узагальнювати дані.</a:t>
+            </a:r>
+            <a:endParaRPr b="1" sz="1050">
+              <a:solidFill>
+                <a:schemeClr val="lt1"/>
+              </a:solidFill>
+              <a:latin typeface="Courier New"/>
+              <a:ea typeface="Courier New"/>
+              <a:cs typeface="Courier New"/>
+              <a:sym typeface="Courier New"/>
+            </a:endParaRPr>
+          </a:p>
+          <a:p>
+            <a:pPr indent="0" lvl="0" marL="0" rtl="0" algn="l">
+              <a:lnSpc>
+                <a:spcPct val="135714"/>
+              </a:lnSpc>
+              <a:spcBef>
+                <a:spcPts val="0"/>
+              </a:spcBef>
+              <a:spcAft>
+                <a:spcPts val="0"/>
+              </a:spcAft>
+              <a:buClr>
+                <a:schemeClr val="dk1"/>
+              </a:buClr>
+              <a:buSzPts val="1100"/>
+              <a:buFont typeface="Arial"/>
+              <a:buNone/>
+            </a:pPr>
+            <a:r>
+              <a:t/>
+            </a:r>
+            <a:endParaRPr b="1" sz="1050">
+              <a:solidFill>
+                <a:schemeClr val="lt1"/>
+              </a:solidFill>
+              <a:latin typeface="Courier New"/>
+              <a:ea typeface="Courier New"/>
+              <a:cs typeface="Courier New"/>
+              <a:sym typeface="Courier New"/>
+            </a:endParaRPr>
+          </a:p>
+          <a:p>
+            <a:pPr indent="0" lvl="0" marL="0" rtl="0" algn="l">
+              <a:lnSpc>
+                <a:spcPct val="135714"/>
+              </a:lnSpc>
+              <a:spcBef>
+                <a:spcPts val="0"/>
+              </a:spcBef>
+              <a:spcAft>
+                <a:spcPts val="0"/>
+              </a:spcAft>
+              <a:buNone/>
+            </a:pPr>
+            <a:r>
+              <a:rPr b="1" lang="en" sz="1050">
                 <a:solidFill>
                   <a:schemeClr val="lt1"/>
                 </a:solidFill>
+                <a:latin typeface="Courier New"/>
+                <a:ea typeface="Courier New"/>
+                <a:cs typeface="Courier New"/>
+                <a:sym typeface="Courier New"/>
               </a:rPr>
-              <a:t>навчився</a:t>
-            </a:r>
-            <a:r>
-              <a:rPr lang="en" sz="1800">
+              <a:t>3. Вибірки, де моделі найбільше помилялися, можуть бути з високою варіабельністю або такими, що містять аномальні значення.</a:t>
+            </a:r>
+            <a:endParaRPr b="1" sz="1050">
+              <a:solidFill>
+                <a:schemeClr val="lt1"/>
+              </a:solidFill>
+              <a:latin typeface="Courier New"/>
+              <a:ea typeface="Courier New"/>
+              <a:cs typeface="Courier New"/>
+              <a:sym typeface="Courier New"/>
+            </a:endParaRPr>
+          </a:p>
+          <a:p>
+            <a:pPr indent="0" lvl="0" marL="0" rtl="0" algn="l">
+              <a:lnSpc>
+                <a:spcPct val="135714"/>
+              </a:lnSpc>
+              <a:spcBef>
+                <a:spcPts val="0"/>
+              </a:spcBef>
+              <a:spcAft>
+                <a:spcPts val="0"/>
+              </a:spcAft>
+              <a:buClr>
+                <a:schemeClr val="dk1"/>
+              </a:buClr>
+              <a:buSzPts val="1100"/>
+              <a:buFont typeface="Arial"/>
+              <a:buNone/>
+            </a:pPr>
+            <a:r>
+              <a:t/>
+            </a:r>
+            <a:endParaRPr b="1" sz="1050">
+              <a:solidFill>
+                <a:schemeClr val="lt1"/>
+              </a:solidFill>
+              <a:latin typeface="Courier New"/>
+              <a:ea typeface="Courier New"/>
+              <a:cs typeface="Courier New"/>
+              <a:sym typeface="Courier New"/>
+            </a:endParaRPr>
+          </a:p>
+          <a:p>
+            <a:pPr indent="0" lvl="0" marL="0" rtl="0" algn="l">
+              <a:lnSpc>
+                <a:spcPct val="135714"/>
+              </a:lnSpc>
+              <a:spcBef>
+                <a:spcPts val="0"/>
+              </a:spcBef>
+              <a:spcAft>
+                <a:spcPts val="0"/>
+              </a:spcAft>
+              <a:buNone/>
+            </a:pPr>
+            <a:r>
+              <a:rPr b="1" lang="en" sz="1050">
                 <a:solidFill>
                   <a:schemeClr val="lt1"/>
                 </a:solidFill>
+                <a:latin typeface="Courier New"/>
+                <a:ea typeface="Courier New"/>
+                <a:cs typeface="Courier New"/>
+                <a:sym typeface="Courier New"/>
               </a:rPr>
-              <a:t> </a:t>
-            </a:r>
-            <a:r>
-              <a:rPr lang="en" sz="1800">
-                <a:solidFill>
-                  <a:schemeClr val="lt1"/>
-                </a:solidFill>
-              </a:rPr>
-              <a:t>користуватися Google Colab, дізнався про мову розмітки</a:t>
-            </a:r>
-            <a:r>
-              <a:rPr lang="en" sz="1800">
-                <a:solidFill>
-                  <a:schemeClr val="lt1"/>
-                </a:solidFill>
-              </a:rPr>
-              <a:t> LaTeX, та багато іншого.</a:t>
-            </a:r>
-            <a:endParaRPr sz="1800">
+              <a:t>4. Random Forest є більш надійною моделлю для прогнозування ефективності сну на даному наборі даних.</a:t>
+            </a:r>
+            <a:endParaRPr b="1" sz="1050">
+              <a:solidFill>
+                <a:schemeClr val="lt1"/>
+              </a:solidFill>
+              <a:latin typeface="Courier New"/>
+              <a:ea typeface="Courier New"/>
+              <a:cs typeface="Courier New"/>
+              <a:sym typeface="Courier New"/>
+            </a:endParaRPr>
+          </a:p>
+          <a:p>
+            <a:pPr indent="0" lvl="0" marL="0" rtl="0" algn="l">
+              <a:spcBef>
+                <a:spcPts val="0"/>
+              </a:spcBef>
+              <a:spcAft>
+                <a:spcPts val="0"/>
+              </a:spcAft>
+              <a:buNone/>
+            </a:pPr>
+            <a:r>
+              <a:t/>
+            </a:r>
+            <a:endParaRPr b="1" sz="1800">
               <a:solidFill>
                 <a:schemeClr val="lt1"/>
               </a:solidFill>

--- a/presentation.pptx
+++ b/presentation.pptx
@@ -10963,37 +10963,9 @@
           </a:p>
         </p:txBody>
       </p:sp>
-      <p:pic>
-        <p:nvPicPr>
-          <p:cNvPr id="111" name="Google Shape;111;p25"/>
-          <p:cNvPicPr preferRelativeResize="0"/>
-          <p:nvPr/>
-        </p:nvPicPr>
-        <p:blipFill>
-          <a:blip r:embed="rId3">
-            <a:alphaModFix/>
-          </a:blip>
-          <a:stretch>
-            <a:fillRect/>
-          </a:stretch>
-        </p:blipFill>
-        <p:spPr>
-          <a:xfrm>
-            <a:off x="5572200" y="1058650"/>
-            <a:ext cx="3260102" cy="3780051"/>
-          </a:xfrm>
-          <a:prstGeom prst="rect">
-            <a:avLst/>
-          </a:prstGeom>
-          <a:noFill/>
-          <a:ln>
-            <a:noFill/>
-          </a:ln>
-        </p:spPr>
-      </p:pic>
       <p:sp>
         <p:nvSpPr>
-          <p:cNvPr id="112" name="Google Shape;112;p25"/>
+          <p:cNvPr id="111" name="Google Shape;111;p25"/>
           <p:cNvSpPr txBox="1"/>
           <p:nvPr/>
         </p:nvSpPr>
@@ -11356,6 +11328,34 @@
           </a:p>
         </p:txBody>
       </p:sp>
+      <p:pic>
+        <p:nvPicPr>
+          <p:cNvPr id="112" name="Google Shape;112;p25"/>
+          <p:cNvPicPr preferRelativeResize="0"/>
+          <p:nvPr/>
+        </p:nvPicPr>
+        <p:blipFill>
+          <a:blip r:embed="rId3">
+            <a:alphaModFix/>
+          </a:blip>
+          <a:stretch>
+            <a:fillRect/>
+          </a:stretch>
+        </p:blipFill>
+        <p:spPr>
+          <a:xfrm>
+            <a:off x="5724600" y="1211050"/>
+            <a:ext cx="2563885" cy="3780050"/>
+          </a:xfrm>
+          <a:prstGeom prst="rect">
+            <a:avLst/>
+          </a:prstGeom>
+          <a:noFill/>
+          <a:ln>
+            <a:noFill/>
+          </a:ln>
+        </p:spPr>
+      </p:pic>
     </p:spTree>
   </p:cSld>
   <p:clrMapOvr>
@@ -11461,7 +11461,7 @@
         <p:spPr>
           <a:xfrm>
             <a:off x="152400" y="1107100"/>
-            <a:ext cx="8839200" cy="2915055"/>
+            <a:ext cx="8839203" cy="2909253"/>
           </a:xfrm>
           <a:prstGeom prst="rect">
             <a:avLst/>
@@ -13019,6 +13019,285 @@
 </file>
 
 <file path=ppt/theme/theme1.xml><?xml version="1.0" encoding="utf-8"?>
+<a:theme xmlns:a="http://schemas.openxmlformats.org/drawingml/2006/main" xmlns:r="http://schemas.openxmlformats.org/officeDocument/2006/relationships" name="Simple Light">
+  <a:themeElements>
+    <a:clrScheme name="Simple Light">
+      <a:dk1>
+        <a:srgbClr val="000000"/>
+      </a:dk1>
+      <a:lt1>
+        <a:srgbClr val="FFFFFF"/>
+      </a:lt1>
+      <a:dk2>
+        <a:srgbClr val="595959"/>
+      </a:dk2>
+      <a:lt2>
+        <a:srgbClr val="EEEEEE"/>
+      </a:lt2>
+      <a:accent1>
+        <a:srgbClr val="4285F4"/>
+      </a:accent1>
+      <a:accent2>
+        <a:srgbClr val="212121"/>
+      </a:accent2>
+      <a:accent3>
+        <a:srgbClr val="78909C"/>
+      </a:accent3>
+      <a:accent4>
+        <a:srgbClr val="FFAB40"/>
+      </a:accent4>
+      <a:accent5>
+        <a:srgbClr val="0097A7"/>
+      </a:accent5>
+      <a:accent6>
+        <a:srgbClr val="EEFF41"/>
+      </a:accent6>
+      <a:hlink>
+        <a:srgbClr val="0097A7"/>
+      </a:hlink>
+      <a:folHlink>
+        <a:srgbClr val="0097A7"/>
+      </a:folHlink>
+    </a:clrScheme>
+    <a:fontScheme name="Office">
+      <a:majorFont>
+        <a:latin typeface="Arial"/>
+        <a:ea typeface=""/>
+        <a:cs typeface=""/>
+        <a:font script="Jpan" typeface="ＭＳ Ｐゴシック"/>
+        <a:font script="Hang" typeface="맑은 고딕"/>
+        <a:font script="Hans" typeface="宋体"/>
+        <a:font script="Hant" typeface="新細明體"/>
+        <a:font script="Arab" typeface="Times New Roman"/>
+        <a:font script="Hebr" typeface="Times New Roman"/>
+        <a:font script="Thai" typeface="Angsana New"/>
+        <a:font script="Ethi" typeface="Nyala"/>
+        <a:font script="Beng" typeface="Vrinda"/>
+        <a:font script="Gujr" typeface="Shruti"/>
+        <a:font script="Khmr" typeface="MoolBoran"/>
+        <a:font script="Knda" typeface="Tunga"/>
+        <a:font script="Guru" typeface="Raavi"/>
+        <a:font script="Cans" typeface="Euphemia"/>
+        <a:font script="Cher" typeface="Plantagenet Cherokee"/>
+        <a:font script="Yiii" typeface="Microsoft Yi Baiti"/>
+        <a:font script="Tibt" typeface="Microsoft Himalaya"/>
+        <a:font script="Thaa" typeface="MV Boli"/>
+        <a:font script="Deva" typeface="Mangal"/>
+        <a:font script="Telu" typeface="Gautami"/>
+        <a:font script="Taml" typeface="Latha"/>
+        <a:font script="Syrc" typeface="Estrangelo Edessa"/>
+        <a:font script="Orya" typeface="Kalinga"/>
+        <a:font script="Mlym" typeface="Kartika"/>
+        <a:font script="Laoo" typeface="DokChampa"/>
+        <a:font script="Sinh" typeface="Iskoola Pota"/>
+        <a:font script="Mong" typeface="Mongolian Baiti"/>
+        <a:font script="Viet" typeface="Times New Roman"/>
+        <a:font script="Uigh" typeface="Microsoft Uighur"/>
+        <a:font script="Geor" typeface="Sylfaen"/>
+      </a:majorFont>
+      <a:minorFont>
+        <a:latin typeface="Arial"/>
+        <a:ea typeface=""/>
+        <a:cs typeface=""/>
+        <a:font script="Jpan" typeface="ＭＳ Ｐゴシック"/>
+        <a:font script="Hang" typeface="맑은 고딕"/>
+        <a:font script="Hans" typeface="宋体"/>
+        <a:font script="Hant" typeface="新細明體"/>
+        <a:font script="Arab" typeface="Arial"/>
+        <a:font script="Hebr" typeface="Arial"/>
+        <a:font script="Thai" typeface="Cordia New"/>
+        <a:font script="Ethi" typeface="Nyala"/>
+        <a:font script="Beng" typeface="Vrinda"/>
+        <a:font script="Gujr" typeface="Shruti"/>
+        <a:font script="Khmr" typeface="DaunPenh"/>
+        <a:font script="Knda" typeface="Tunga"/>
+        <a:font script="Guru" typeface="Raavi"/>
+        <a:font script="Cans" typeface="Euphemia"/>
+        <a:font script="Cher" typeface="Plantagenet Cherokee"/>
+        <a:font script="Yiii" typeface="Microsoft Yi Baiti"/>
+        <a:font script="Tibt" typeface="Microsoft Himalaya"/>
+        <a:font script="Thaa" typeface="MV Boli"/>
+        <a:font script="Deva" typeface="Mangal"/>
+        <a:font script="Telu" typeface="Gautami"/>
+        <a:font script="Taml" typeface="Latha"/>
+        <a:font script="Syrc" typeface="Estrangelo Edessa"/>
+        <a:font script="Orya" typeface="Kalinga"/>
+        <a:font script="Mlym" typeface="Kartika"/>
+        <a:font script="Laoo" typeface="DokChampa"/>
+        <a:font script="Sinh" typeface="Iskoola Pota"/>
+        <a:font script="Mong" typeface="Mongolian Baiti"/>
+        <a:font script="Viet" typeface="Arial"/>
+        <a:font script="Uigh" typeface="Microsoft Uighur"/>
+        <a:font script="Geor" typeface="Sylfaen"/>
+      </a:minorFont>
+    </a:fontScheme>
+    <a:fmtScheme name="Office">
+      <a:fillStyleLst>
+        <a:solidFill>
+          <a:schemeClr val="phClr"/>
+        </a:solidFill>
+        <a:gradFill rotWithShape="1">
+          <a:gsLst>
+            <a:gs pos="0">
+              <a:schemeClr val="phClr">
+                <a:tint val="50000"/>
+                <a:satMod val="300000"/>
+              </a:schemeClr>
+            </a:gs>
+            <a:gs pos="35000">
+              <a:schemeClr val="phClr">
+                <a:tint val="37000"/>
+                <a:satMod val="300000"/>
+              </a:schemeClr>
+            </a:gs>
+            <a:gs pos="100000">
+              <a:schemeClr val="phClr">
+                <a:tint val="15000"/>
+                <a:satMod val="350000"/>
+              </a:schemeClr>
+            </a:gs>
+          </a:gsLst>
+          <a:lin ang="16200000" scaled="1"/>
+        </a:gradFill>
+        <a:gradFill rotWithShape="1">
+          <a:gsLst>
+            <a:gs pos="0">
+              <a:schemeClr val="phClr">
+                <a:tint val="100000"/>
+                <a:shade val="100000"/>
+                <a:satMod val="130000"/>
+              </a:schemeClr>
+            </a:gs>
+            <a:gs pos="100000">
+              <a:schemeClr val="phClr">
+                <a:tint val="50000"/>
+                <a:shade val="100000"/>
+                <a:satMod val="350000"/>
+              </a:schemeClr>
+            </a:gs>
+          </a:gsLst>
+          <a:lin ang="16200000" scaled="0"/>
+        </a:gradFill>
+      </a:fillStyleLst>
+      <a:lnStyleLst>
+        <a:ln w="9525" cap="flat" cmpd="sng" algn="ctr">
+          <a:solidFill>
+            <a:schemeClr val="phClr">
+              <a:shade val="95000"/>
+              <a:satMod val="105000"/>
+            </a:schemeClr>
+          </a:solidFill>
+          <a:prstDash val="solid"/>
+        </a:ln>
+        <a:ln w="25400" cap="flat" cmpd="sng" algn="ctr">
+          <a:solidFill>
+            <a:schemeClr val="phClr"/>
+          </a:solidFill>
+          <a:prstDash val="solid"/>
+        </a:ln>
+        <a:ln w="38100" cap="flat" cmpd="sng" algn="ctr">
+          <a:solidFill>
+            <a:schemeClr val="phClr"/>
+          </a:solidFill>
+          <a:prstDash val="solid"/>
+        </a:ln>
+      </a:lnStyleLst>
+      <a:effectStyleLst>
+        <a:effectStyle>
+          <a:effectLst>
+            <a:outerShdw blurRad="40000" dist="20000" dir="5400000" rotWithShape="0">
+              <a:srgbClr val="000000">
+                <a:alpha val="38000"/>
+              </a:srgbClr>
+            </a:outerShdw>
+          </a:effectLst>
+        </a:effectStyle>
+        <a:effectStyle>
+          <a:effectLst>
+            <a:outerShdw blurRad="40000" dist="23000" dir="5400000" rotWithShape="0">
+              <a:srgbClr val="000000">
+                <a:alpha val="35000"/>
+              </a:srgbClr>
+            </a:outerShdw>
+          </a:effectLst>
+        </a:effectStyle>
+        <a:effectStyle>
+          <a:effectLst>
+            <a:outerShdw blurRad="40000" dist="23000" dir="5400000" rotWithShape="0">
+              <a:srgbClr val="000000">
+                <a:alpha val="35000"/>
+              </a:srgbClr>
+            </a:outerShdw>
+          </a:effectLst>
+          <a:scene3d>
+            <a:camera prst="orthographicFront">
+              <a:rot lat="0" lon="0" rev="0"/>
+            </a:camera>
+            <a:lightRig rig="threePt" dir="t">
+              <a:rot lat="0" lon="0" rev="1200000"/>
+            </a:lightRig>
+          </a:scene3d>
+          <a:sp3d>
+            <a:bevelT w="63500" h="25400"/>
+          </a:sp3d>
+        </a:effectStyle>
+      </a:effectStyleLst>
+      <a:bgFillStyleLst>
+        <a:solidFill>
+          <a:schemeClr val="phClr"/>
+        </a:solidFill>
+        <a:gradFill rotWithShape="1">
+          <a:gsLst>
+            <a:gs pos="0">
+              <a:schemeClr val="phClr">
+                <a:tint val="40000"/>
+                <a:satMod val="350000"/>
+              </a:schemeClr>
+            </a:gs>
+            <a:gs pos="40000">
+              <a:schemeClr val="phClr">
+                <a:tint val="45000"/>
+                <a:shade val="99000"/>
+                <a:satMod val="350000"/>
+              </a:schemeClr>
+            </a:gs>
+            <a:gs pos="100000">
+              <a:schemeClr val="phClr">
+                <a:shade val="20000"/>
+                <a:satMod val="255000"/>
+              </a:schemeClr>
+            </a:gs>
+          </a:gsLst>
+          <a:path path="circle">
+            <a:fillToRect l="50000" t="-80000" r="50000" b="180000"/>
+          </a:path>
+        </a:gradFill>
+        <a:gradFill rotWithShape="1">
+          <a:gsLst>
+            <a:gs pos="0">
+              <a:schemeClr val="phClr">
+                <a:tint val="80000"/>
+                <a:satMod val="300000"/>
+              </a:schemeClr>
+            </a:gs>
+            <a:gs pos="100000">
+              <a:schemeClr val="phClr">
+                <a:shade val="30000"/>
+                <a:satMod val="200000"/>
+              </a:schemeClr>
+            </a:gs>
+          </a:gsLst>
+          <a:path path="circle">
+            <a:fillToRect l="50000" t="50000" r="50000" b="50000"/>
+          </a:path>
+        </a:gradFill>
+      </a:bgFillStyleLst>
+    </a:fmtScheme>
+  </a:themeElements>
+</a:theme>
+</file>
+
+<file path=ppt/theme/theme2.xml><?xml version="1.0" encoding="utf-8"?>
 <a:theme xmlns:a="http://schemas.openxmlformats.org/drawingml/2006/main" xmlns:r="http://schemas.openxmlformats.org/officeDocument/2006/relationships">
   <a:themeElements>
     <a:clrScheme name="Default">
@@ -13295,283 +13574,4 @@
     </a:fmtScheme>
   </a:themeElements>
 </a:theme>
-</file>
-
-<file path=ppt/theme/theme2.xml><?xml version="1.0" encoding="utf-8"?>
-<a:theme xmlns:a="http://schemas.openxmlformats.org/drawingml/2006/main" xmlns:r="http://schemas.openxmlformats.org/officeDocument/2006/relationships" name="Simple Light">
-  <a:themeElements>
-    <a:clrScheme name="Simple Light">
-      <a:dk1>
-        <a:srgbClr val="000000"/>
-      </a:dk1>
-      <a:lt1>
-        <a:srgbClr val="FFFFFF"/>
-      </a:lt1>
-      <a:dk2>
-        <a:srgbClr val="595959"/>
-      </a:dk2>
-      <a:lt2>
-        <a:srgbClr val="EEEEEE"/>
-      </a:lt2>
-      <a:accent1>
-        <a:srgbClr val="4285F4"/>
-      </a:accent1>
-      <a:accent2>
-        <a:srgbClr val="212121"/>
-      </a:accent2>
-      <a:accent3>
-        <a:srgbClr val="78909C"/>
-      </a:accent3>
-      <a:accent4>
-        <a:srgbClr val="FFAB40"/>
-      </a:accent4>
-      <a:accent5>
-        <a:srgbClr val="0097A7"/>
-      </a:accent5>
-      <a:accent6>
-        <a:srgbClr val="EEFF41"/>
-      </a:accent6>
-      <a:hlink>
-        <a:srgbClr val="0097A7"/>
-      </a:hlink>
-      <a:folHlink>
-        <a:srgbClr val="0097A7"/>
-      </a:folHlink>
-    </a:clrScheme>
-    <a:fontScheme name="Office">
-      <a:majorFont>
-        <a:latin typeface="Arial"/>
-        <a:ea typeface=""/>
-        <a:cs typeface=""/>
-        <a:font script="Jpan" typeface="ＭＳ Ｐゴシック"/>
-        <a:font script="Hang" typeface="맑은 고딕"/>
-        <a:font script="Hans" typeface="宋体"/>
-        <a:font script="Hant" typeface="新細明體"/>
-        <a:font script="Arab" typeface="Times New Roman"/>
-        <a:font script="Hebr" typeface="Times New Roman"/>
-        <a:font script="Thai" typeface="Angsana New"/>
-        <a:font script="Ethi" typeface="Nyala"/>
-        <a:font script="Beng" typeface="Vrinda"/>
-        <a:font script="Gujr" typeface="Shruti"/>
-        <a:font script="Khmr" typeface="MoolBoran"/>
-        <a:font script="Knda" typeface="Tunga"/>
-        <a:font script="Guru" typeface="Raavi"/>
-        <a:font script="Cans" typeface="Euphemia"/>
-        <a:font script="Cher" typeface="Plantagenet Cherokee"/>
-        <a:font script="Yiii" typeface="Microsoft Yi Baiti"/>
-        <a:font script="Tibt" typeface="Microsoft Himalaya"/>
-        <a:font script="Thaa" typeface="MV Boli"/>
-        <a:font script="Deva" typeface="Mangal"/>
-        <a:font script="Telu" typeface="Gautami"/>
-        <a:font script="Taml" typeface="Latha"/>
-        <a:font script="Syrc" typeface="Estrangelo Edessa"/>
-        <a:font script="Orya" typeface="Kalinga"/>
-        <a:font script="Mlym" typeface="Kartika"/>
-        <a:font script="Laoo" typeface="DokChampa"/>
-        <a:font script="Sinh" typeface="Iskoola Pota"/>
-        <a:font script="Mong" typeface="Mongolian Baiti"/>
-        <a:font script="Viet" typeface="Times New Roman"/>
-        <a:font script="Uigh" typeface="Microsoft Uighur"/>
-        <a:font script="Geor" typeface="Sylfaen"/>
-      </a:majorFont>
-      <a:minorFont>
-        <a:latin typeface="Arial"/>
-        <a:ea typeface=""/>
-        <a:cs typeface=""/>
-        <a:font script="Jpan" typeface="ＭＳ Ｐゴシック"/>
-        <a:font script="Hang" typeface="맑은 고딕"/>
-        <a:font script="Hans" typeface="宋体"/>
-        <a:font script="Hant" typeface="新細明體"/>
-        <a:font script="Arab" typeface="Arial"/>
-        <a:font script="Hebr" typeface="Arial"/>
-        <a:font script="Thai" typeface="Cordia New"/>
-        <a:font script="Ethi" typeface="Nyala"/>
-        <a:font script="Beng" typeface="Vrinda"/>
-        <a:font script="Gujr" typeface="Shruti"/>
-        <a:font script="Khmr" typeface="DaunPenh"/>
-        <a:font script="Knda" typeface="Tunga"/>
-        <a:font script="Guru" typeface="Raavi"/>
-        <a:font script="Cans" typeface="Euphemia"/>
-        <a:font script="Cher" typeface="Plantagenet Cherokee"/>
-        <a:font script="Yiii" typeface="Microsoft Yi Baiti"/>
-        <a:font script="Tibt" typeface="Microsoft Himalaya"/>
-        <a:font script="Thaa" typeface="MV Boli"/>
-        <a:font script="Deva" typeface="Mangal"/>
-        <a:font script="Telu" typeface="Gautami"/>
-        <a:font script="Taml" typeface="Latha"/>
-        <a:font script="Syrc" typeface="Estrangelo Edessa"/>
-        <a:font script="Orya" typeface="Kalinga"/>
-        <a:font script="Mlym" typeface="Kartika"/>
-        <a:font script="Laoo" typeface="DokChampa"/>
-        <a:font script="Sinh" typeface="Iskoola Pota"/>
-        <a:font script="Mong" typeface="Mongolian Baiti"/>
-        <a:font script="Viet" typeface="Arial"/>
-        <a:font script="Uigh" typeface="Microsoft Uighur"/>
-        <a:font script="Geor" typeface="Sylfaen"/>
-      </a:minorFont>
-    </a:fontScheme>
-    <a:fmtScheme name="Office">
-      <a:fillStyleLst>
-        <a:solidFill>
-          <a:schemeClr val="phClr"/>
-        </a:solidFill>
-        <a:gradFill rotWithShape="1">
-          <a:gsLst>
-            <a:gs pos="0">
-              <a:schemeClr val="phClr">
-                <a:tint val="50000"/>
-                <a:satMod val="300000"/>
-              </a:schemeClr>
-            </a:gs>
-            <a:gs pos="35000">
-              <a:schemeClr val="phClr">
-                <a:tint val="37000"/>
-                <a:satMod val="300000"/>
-              </a:schemeClr>
-            </a:gs>
-            <a:gs pos="100000">
-              <a:schemeClr val="phClr">
-                <a:tint val="15000"/>
-                <a:satMod val="350000"/>
-              </a:schemeClr>
-            </a:gs>
-          </a:gsLst>
-          <a:lin ang="16200000" scaled="1"/>
-        </a:gradFill>
-        <a:gradFill rotWithShape="1">
-          <a:gsLst>
-            <a:gs pos="0">
-              <a:schemeClr val="phClr">
-                <a:tint val="100000"/>
-                <a:shade val="100000"/>
-                <a:satMod val="130000"/>
-              </a:schemeClr>
-            </a:gs>
-            <a:gs pos="100000">
-              <a:schemeClr val="phClr">
-                <a:tint val="50000"/>
-                <a:shade val="100000"/>
-                <a:satMod val="350000"/>
-              </a:schemeClr>
-            </a:gs>
-          </a:gsLst>
-          <a:lin ang="16200000" scaled="0"/>
-        </a:gradFill>
-      </a:fillStyleLst>
-      <a:lnStyleLst>
-        <a:ln w="9525" cap="flat" cmpd="sng" algn="ctr">
-          <a:solidFill>
-            <a:schemeClr val="phClr">
-              <a:shade val="95000"/>
-              <a:satMod val="105000"/>
-            </a:schemeClr>
-          </a:solidFill>
-          <a:prstDash val="solid"/>
-        </a:ln>
-        <a:ln w="25400" cap="flat" cmpd="sng" algn="ctr">
-          <a:solidFill>
-            <a:schemeClr val="phClr"/>
-          </a:solidFill>
-          <a:prstDash val="solid"/>
-        </a:ln>
-        <a:ln w="38100" cap="flat" cmpd="sng" algn="ctr">
-          <a:solidFill>
-            <a:schemeClr val="phClr"/>
-          </a:solidFill>
-          <a:prstDash val="solid"/>
-        </a:ln>
-      </a:lnStyleLst>
-      <a:effectStyleLst>
-        <a:effectStyle>
-          <a:effectLst>
-            <a:outerShdw blurRad="40000" dist="20000" dir="5400000" rotWithShape="0">
-              <a:srgbClr val="000000">
-                <a:alpha val="38000"/>
-              </a:srgbClr>
-            </a:outerShdw>
-          </a:effectLst>
-        </a:effectStyle>
-        <a:effectStyle>
-          <a:effectLst>
-            <a:outerShdw blurRad="40000" dist="23000" dir="5400000" rotWithShape="0">
-              <a:srgbClr val="000000">
-                <a:alpha val="35000"/>
-              </a:srgbClr>
-            </a:outerShdw>
-          </a:effectLst>
-        </a:effectStyle>
-        <a:effectStyle>
-          <a:effectLst>
-            <a:outerShdw blurRad="40000" dist="23000" dir="5400000" rotWithShape="0">
-              <a:srgbClr val="000000">
-                <a:alpha val="35000"/>
-              </a:srgbClr>
-            </a:outerShdw>
-          </a:effectLst>
-          <a:scene3d>
-            <a:camera prst="orthographicFront">
-              <a:rot lat="0" lon="0" rev="0"/>
-            </a:camera>
-            <a:lightRig rig="threePt" dir="t">
-              <a:rot lat="0" lon="0" rev="1200000"/>
-            </a:lightRig>
-          </a:scene3d>
-          <a:sp3d>
-            <a:bevelT w="63500" h="25400"/>
-          </a:sp3d>
-        </a:effectStyle>
-      </a:effectStyleLst>
-      <a:bgFillStyleLst>
-        <a:solidFill>
-          <a:schemeClr val="phClr"/>
-        </a:solidFill>
-        <a:gradFill rotWithShape="1">
-          <a:gsLst>
-            <a:gs pos="0">
-              <a:schemeClr val="phClr">
-                <a:tint val="40000"/>
-                <a:satMod val="350000"/>
-              </a:schemeClr>
-            </a:gs>
-            <a:gs pos="40000">
-              <a:schemeClr val="phClr">
-                <a:tint val="45000"/>
-                <a:shade val="99000"/>
-                <a:satMod val="350000"/>
-              </a:schemeClr>
-            </a:gs>
-            <a:gs pos="100000">
-              <a:schemeClr val="phClr">
-                <a:shade val="20000"/>
-                <a:satMod val="255000"/>
-              </a:schemeClr>
-            </a:gs>
-          </a:gsLst>
-          <a:path path="circle">
-            <a:fillToRect l="50000" t="-80000" r="50000" b="180000"/>
-          </a:path>
-        </a:gradFill>
-        <a:gradFill rotWithShape="1">
-          <a:gsLst>
-            <a:gs pos="0">
-              <a:schemeClr val="phClr">
-                <a:tint val="80000"/>
-                <a:satMod val="300000"/>
-              </a:schemeClr>
-            </a:gs>
-            <a:gs pos="100000">
-              <a:schemeClr val="phClr">
-                <a:shade val="30000"/>
-                <a:satMod val="200000"/>
-              </a:schemeClr>
-            </a:gs>
-          </a:gsLst>
-          <a:path path="circle">
-            <a:fillToRect l="50000" t="50000" r="50000" b="50000"/>
-          </a:path>
-        </a:gradFill>
-      </a:bgFillStyleLst>
-    </a:fmtScheme>
-  </a:themeElements>
-</a:theme>
 </file>